--- a/第三章 栈、队列和数组/3.4 数组和特殊矩阵/数组与稀疏矩阵.pptx
+++ b/第三章 栈、队列和数组/3.4 数组和特殊矩阵/数组与稀疏矩阵.pptx
@@ -8,11 +8,16 @@
     <p:sldId id="256" r:id="rId3"/>
     <p:sldId id="257" r:id="rId4"/>
     <p:sldId id="258" r:id="rId5"/>
+    <p:sldId id="259" r:id="rId6"/>
+    <p:sldId id="260" r:id="rId7"/>
+    <p:sldId id="261" r:id="rId8"/>
+    <p:sldId id="262" r:id="rId9"/>
+    <p:sldId id="263" r:id="rId10"/>
   </p:sldIdLst>
   <p:sldSz cx="12192000" cy="6858000"/>
   <p:notesSz cx="6858000" cy="9144000"/>
   <p:custDataLst>
-    <p:tags r:id="rId9"/>
+    <p:tags r:id="rId14"/>
   </p:custDataLst>
   <p:defaultTextStyle>
     <a:defPPr>
@@ -6766,6 +6771,2023 @@
 </p:sld>
 </file>
 
+<file path=ppt/slides/slide4.xml><?xml version="1.0" encoding="utf-8"?>
+<p:sld xmlns:a="http://schemas.openxmlformats.org/drawingml/2006/main" xmlns:r="http://schemas.openxmlformats.org/officeDocument/2006/relationships" xmlns:p="http://schemas.openxmlformats.org/presentationml/2006/main">
+  <p:cSld>
+    <p:spTree>
+      <p:nvGrpSpPr>
+        <p:cNvPr id="1" name=""/>
+        <p:cNvGrpSpPr/>
+        <p:nvPr/>
+      </p:nvGrpSpPr>
+      <p:grpSpPr/>
+      <p:grpSp>
+        <p:nvGrpSpPr>
+          <p:cNvPr id="15" name="组合 14"/>
+          <p:cNvGrpSpPr/>
+          <p:nvPr/>
+        </p:nvGrpSpPr>
+        <p:grpSpPr>
+          <a:xfrm>
+            <a:off x="1553845" y="829945"/>
+            <a:ext cx="5629275" cy="4399280"/>
+            <a:chOff x="2447" y="1307"/>
+            <a:chExt cx="8865" cy="6928"/>
+          </a:xfrm>
+        </p:grpSpPr>
+        <p:graphicFrame>
+          <p:nvGraphicFramePr>
+            <p:cNvPr id="4" name="对象 3">
+              <a:hlinkClick r:id="" action="ppaction://ole?verb="/>
+            </p:cNvPr>
+            <p:cNvGraphicFramePr>
+              <a:graphicFrameLocks noChangeAspect="1"/>
+            </p:cNvGraphicFramePr>
+            <p:nvPr/>
+          </p:nvGraphicFramePr>
+          <p:xfrm>
+            <a:off x="2447" y="1307"/>
+            <a:ext cx="5809" cy="5993"/>
+          </p:xfrm>
+          <a:graphic>
+            <a:graphicData uri="http://schemas.openxmlformats.org/presentationml/2006/ole">
+              <mc:AlternateContent xmlns:mc="http://schemas.openxmlformats.org/markup-compatibility/2006">
+                <mc:Choice xmlns:v="urn:schemas-microsoft-com:vml" Requires="v">
+                  <p:oleObj spid="_x0000_s1025" name="" r:id="rId1" imgW="800100" imgH="825500" progId="Equation.KSEE3">
+                    <p:embed/>
+                  </p:oleObj>
+                </mc:Choice>
+                <mc:Fallback>
+                  <p:oleObj name="" r:id="rId1" imgW="800100" imgH="825500" progId="Equation.KSEE3">
+                    <p:embed/>
+                    <p:pic>
+                      <p:nvPicPr>
+                        <p:cNvPr id="0" name="图片 1024"/>
+                        <p:cNvPicPr/>
+                        <p:nvPr/>
+                      </p:nvPicPr>
+                      <p:blipFill>
+                        <a:blip r:embed="rId2"/>
+                        <a:stretch>
+                          <a:fillRect/>
+                        </a:stretch>
+                      </p:blipFill>
+                      <p:spPr>
+                        <a:xfrm>
+                          <a:off x="2447" y="1307"/>
+                          <a:ext cx="5809" cy="5993"/>
+                        </a:xfrm>
+                        <a:prstGeom prst="rect">
+                          <a:avLst/>
+                        </a:prstGeom>
+                        <a:solidFill>
+                          <a:schemeClr val="bg1"/>
+                        </a:solidFill>
+                      </p:spPr>
+                    </p:pic>
+                  </p:oleObj>
+                </mc:Fallback>
+              </mc:AlternateContent>
+            </a:graphicData>
+          </a:graphic>
+        </p:graphicFrame>
+        <p:cxnSp>
+          <p:nvCxnSpPr>
+            <p:cNvPr id="5" name="直接连接符 4"/>
+            <p:cNvCxnSpPr/>
+            <p:nvPr/>
+          </p:nvCxnSpPr>
+          <p:spPr>
+            <a:xfrm>
+              <a:off x="2704" y="1612"/>
+              <a:ext cx="5327" cy="5400"/>
+            </a:xfrm>
+            <a:prstGeom prst="line">
+              <a:avLst/>
+            </a:prstGeom>
+            <a:ln w="31750" cmpd="sng">
+              <a:solidFill>
+                <a:srgbClr val="FF0000"/>
+              </a:solidFill>
+              <a:prstDash val="dash"/>
+            </a:ln>
+          </p:spPr>
+          <p:style>
+            <a:lnRef idx="1">
+              <a:schemeClr val="accent1"/>
+            </a:lnRef>
+            <a:fillRef idx="0">
+              <a:schemeClr val="accent1"/>
+            </a:fillRef>
+            <a:effectRef idx="0">
+              <a:schemeClr val="accent1"/>
+            </a:effectRef>
+            <a:fontRef idx="minor">
+              <a:schemeClr val="tx1"/>
+            </a:fontRef>
+          </p:style>
+        </p:cxnSp>
+        <p:cxnSp>
+          <p:nvCxnSpPr>
+            <p:cNvPr id="6" name="直接箭头连接符 5"/>
+            <p:cNvCxnSpPr/>
+            <p:nvPr/>
+          </p:nvCxnSpPr>
+          <p:spPr>
+            <a:xfrm>
+              <a:off x="7832" y="6686"/>
+              <a:ext cx="1522" cy="18"/>
+            </a:xfrm>
+            <a:prstGeom prst="straightConnector1">
+              <a:avLst/>
+            </a:prstGeom>
+            <a:ln w="31750">
+              <a:solidFill>
+                <a:srgbClr val="00B050"/>
+              </a:solidFill>
+              <a:tailEnd type="arrow"/>
+            </a:ln>
+          </p:spPr>
+          <p:style>
+            <a:lnRef idx="1">
+              <a:schemeClr val="accent1"/>
+            </a:lnRef>
+            <a:fillRef idx="0">
+              <a:schemeClr val="accent1"/>
+            </a:fillRef>
+            <a:effectRef idx="0">
+              <a:schemeClr val="accent1"/>
+            </a:effectRef>
+            <a:fontRef idx="minor">
+              <a:schemeClr val="tx1"/>
+            </a:fontRef>
+          </p:style>
+        </p:cxnSp>
+        <p:sp>
+          <p:nvSpPr>
+            <p:cNvPr id="7" name="文本框 6"/>
+            <p:cNvSpPr txBox="1"/>
+            <p:nvPr/>
+          </p:nvSpPr>
+          <p:spPr>
+            <a:xfrm>
+              <a:off x="9354" y="6432"/>
+              <a:ext cx="1958" cy="580"/>
+            </a:xfrm>
+            <a:prstGeom prst="rect">
+              <a:avLst/>
+            </a:prstGeom>
+            <a:noFill/>
+          </p:spPr>
+          <p:txBody>
+            <a:bodyPr wrap="square" rtlCol="0">
+              <a:spAutoFit/>
+            </a:bodyPr>
+            <a:p>
+              <a:r>
+                <a:rPr lang="zh-CN" altLang="en-US" b="1">
+                  <a:latin typeface="楷体" panose="02010609060101010101" charset="-122"/>
+                  <a:ea typeface="楷体" panose="02010609060101010101" charset="-122"/>
+                </a:rPr>
+                <a:t>主对角线</a:t>
+              </a:r>
+              <a:endParaRPr lang="zh-CN" altLang="en-US" b="1">
+                <a:latin typeface="楷体" panose="02010609060101010101" charset="-122"/>
+                <a:ea typeface="楷体" panose="02010609060101010101" charset="-122"/>
+              </a:endParaRPr>
+            </a:p>
+          </p:txBody>
+        </p:sp>
+        <p:sp>
+          <p:nvSpPr>
+            <p:cNvPr id="8" name="直角三角形 7"/>
+            <p:cNvSpPr/>
+            <p:nvPr/>
+          </p:nvSpPr>
+          <p:spPr>
+            <a:xfrm>
+              <a:off x="2939" y="2519"/>
+              <a:ext cx="4132" cy="4348"/>
+            </a:xfrm>
+            <a:prstGeom prst="rtTriangle">
+              <a:avLst/>
+            </a:prstGeom>
+            <a:solidFill>
+              <a:schemeClr val="accent3">
+                <a:lumMod val="60000"/>
+                <a:lumOff val="40000"/>
+                <a:alpha val="51000"/>
+              </a:schemeClr>
+            </a:solidFill>
+            <a:ln w="28575" cmpd="sng">
+              <a:solidFill>
+                <a:schemeClr val="accent1">
+                  <a:shade val="50000"/>
+                </a:schemeClr>
+              </a:solidFill>
+              <a:prstDash val="sysDash"/>
+            </a:ln>
+          </p:spPr>
+          <p:style>
+            <a:lnRef idx="2">
+              <a:schemeClr val="accent1">
+                <a:shade val="50000"/>
+              </a:schemeClr>
+            </a:lnRef>
+            <a:fillRef idx="1">
+              <a:schemeClr val="accent1"/>
+            </a:fillRef>
+            <a:effectRef idx="0">
+              <a:schemeClr val="accent1"/>
+            </a:effectRef>
+            <a:fontRef idx="minor">
+              <a:schemeClr val="lt1"/>
+            </a:fontRef>
+          </p:style>
+          <p:txBody>
+            <a:bodyPr rtlCol="0" anchor="ctr"/>
+            <a:p>
+              <a:pPr algn="ctr"/>
+              <a:endParaRPr lang="zh-CN" altLang="en-US"/>
+            </a:p>
+          </p:txBody>
+        </p:sp>
+        <p:sp>
+          <p:nvSpPr>
+            <p:cNvPr id="10" name="直角三角形 9"/>
+            <p:cNvSpPr/>
+            <p:nvPr>
+              <p:custDataLst>
+                <p:tags r:id="rId3"/>
+              </p:custDataLst>
+            </p:nvPr>
+          </p:nvSpPr>
+          <p:spPr>
+            <a:xfrm rot="10800000">
+              <a:off x="3538" y="1612"/>
+              <a:ext cx="4132" cy="4348"/>
+            </a:xfrm>
+            <a:prstGeom prst="rtTriangle">
+              <a:avLst/>
+            </a:prstGeom>
+            <a:solidFill>
+              <a:schemeClr val="accent6">
+                <a:lumMod val="40000"/>
+                <a:lumOff val="60000"/>
+                <a:alpha val="51000"/>
+              </a:schemeClr>
+            </a:solidFill>
+            <a:ln w="28575" cmpd="sng">
+              <a:solidFill>
+                <a:schemeClr val="accent1">
+                  <a:shade val="50000"/>
+                </a:schemeClr>
+              </a:solidFill>
+              <a:prstDash val="sysDash"/>
+            </a:ln>
+          </p:spPr>
+          <p:style>
+            <a:lnRef idx="2">
+              <a:schemeClr val="accent1">
+                <a:shade val="50000"/>
+              </a:schemeClr>
+            </a:lnRef>
+            <a:fillRef idx="1">
+              <a:schemeClr val="accent1"/>
+            </a:fillRef>
+            <a:effectRef idx="0">
+              <a:schemeClr val="accent1"/>
+            </a:effectRef>
+            <a:fontRef idx="minor">
+              <a:schemeClr val="lt1"/>
+            </a:fontRef>
+          </p:style>
+          <p:txBody>
+            <a:bodyPr rtlCol="0" anchor="ctr"/>
+            <a:p>
+              <a:pPr algn="ctr"/>
+              <a:endParaRPr lang="zh-CN" altLang="en-US"/>
+            </a:p>
+          </p:txBody>
+        </p:sp>
+        <p:cxnSp>
+          <p:nvCxnSpPr>
+            <p:cNvPr id="11" name="直接箭头连接符 10"/>
+            <p:cNvCxnSpPr/>
+            <p:nvPr>
+              <p:custDataLst>
+                <p:tags r:id="rId4"/>
+              </p:custDataLst>
+            </p:nvPr>
+          </p:nvCxnSpPr>
+          <p:spPr>
+            <a:xfrm>
+              <a:off x="6836" y="2737"/>
+              <a:ext cx="2446" cy="18"/>
+            </a:xfrm>
+            <a:prstGeom prst="straightConnector1">
+              <a:avLst/>
+            </a:prstGeom>
+            <a:ln w="31750">
+              <a:solidFill>
+                <a:srgbClr val="00B050"/>
+              </a:solidFill>
+              <a:tailEnd type="arrow"/>
+            </a:ln>
+          </p:spPr>
+          <p:style>
+            <a:lnRef idx="1">
+              <a:schemeClr val="accent1"/>
+            </a:lnRef>
+            <a:fillRef idx="0">
+              <a:schemeClr val="accent1"/>
+            </a:fillRef>
+            <a:effectRef idx="0">
+              <a:schemeClr val="accent1"/>
+            </a:effectRef>
+            <a:fontRef idx="minor">
+              <a:schemeClr val="tx1"/>
+            </a:fontRef>
+          </p:style>
+        </p:cxnSp>
+        <p:sp>
+          <p:nvSpPr>
+            <p:cNvPr id="12" name="文本框 11"/>
+            <p:cNvSpPr txBox="1"/>
+            <p:nvPr>
+              <p:custDataLst>
+                <p:tags r:id="rId5"/>
+              </p:custDataLst>
+            </p:nvPr>
+          </p:nvSpPr>
+          <p:spPr>
+            <a:xfrm>
+              <a:off x="9282" y="2519"/>
+              <a:ext cx="1958" cy="580"/>
+            </a:xfrm>
+            <a:prstGeom prst="rect">
+              <a:avLst/>
+            </a:prstGeom>
+            <a:noFill/>
+          </p:spPr>
+          <p:txBody>
+            <a:bodyPr wrap="square" rtlCol="0">
+              <a:spAutoFit/>
+            </a:bodyPr>
+            <a:p>
+              <a:r>
+                <a:rPr lang="zh-CN" altLang="en-US" b="1">
+                  <a:latin typeface="楷体" panose="02010609060101010101" charset="-122"/>
+                  <a:ea typeface="楷体" panose="02010609060101010101" charset="-122"/>
+                </a:rPr>
+                <a:t>上三角区</a:t>
+              </a:r>
+              <a:endParaRPr lang="zh-CN" altLang="en-US" b="1">
+                <a:latin typeface="楷体" panose="02010609060101010101" charset="-122"/>
+                <a:ea typeface="楷体" panose="02010609060101010101" charset="-122"/>
+              </a:endParaRPr>
+            </a:p>
+          </p:txBody>
+        </p:sp>
+        <p:cxnSp>
+          <p:nvCxnSpPr>
+            <p:cNvPr id="13" name="直接箭头连接符 12"/>
+            <p:cNvCxnSpPr/>
+            <p:nvPr>
+              <p:custDataLst>
+                <p:tags r:id="rId6"/>
+              </p:custDataLst>
+            </p:nvPr>
+          </p:nvCxnSpPr>
+          <p:spPr>
+            <a:xfrm>
+              <a:off x="3882" y="6378"/>
+              <a:ext cx="0" cy="1196"/>
+            </a:xfrm>
+            <a:prstGeom prst="straightConnector1">
+              <a:avLst/>
+            </a:prstGeom>
+            <a:ln w="31750">
+              <a:solidFill>
+                <a:srgbClr val="00B050"/>
+              </a:solidFill>
+              <a:tailEnd type="arrow"/>
+            </a:ln>
+          </p:spPr>
+          <p:style>
+            <a:lnRef idx="1">
+              <a:schemeClr val="accent1"/>
+            </a:lnRef>
+            <a:fillRef idx="0">
+              <a:schemeClr val="accent1"/>
+            </a:fillRef>
+            <a:effectRef idx="0">
+              <a:schemeClr val="accent1"/>
+            </a:effectRef>
+            <a:fontRef idx="minor">
+              <a:schemeClr val="tx1"/>
+            </a:fontRef>
+          </p:style>
+        </p:cxnSp>
+        <p:sp>
+          <p:nvSpPr>
+            <p:cNvPr id="14" name="文本框 13"/>
+            <p:cNvSpPr txBox="1"/>
+            <p:nvPr>
+              <p:custDataLst>
+                <p:tags r:id="rId7"/>
+              </p:custDataLst>
+            </p:nvPr>
+          </p:nvSpPr>
+          <p:spPr>
+            <a:xfrm>
+              <a:off x="3047" y="7655"/>
+              <a:ext cx="1958" cy="580"/>
+            </a:xfrm>
+            <a:prstGeom prst="rect">
+              <a:avLst/>
+            </a:prstGeom>
+            <a:noFill/>
+          </p:spPr>
+          <p:txBody>
+            <a:bodyPr wrap="square" rtlCol="0">
+              <a:spAutoFit/>
+            </a:bodyPr>
+            <a:p>
+              <a:r>
+                <a:rPr lang="zh-CN" altLang="en-US" b="1">
+                  <a:latin typeface="楷体" panose="02010609060101010101" charset="-122"/>
+                  <a:ea typeface="楷体" panose="02010609060101010101" charset="-122"/>
+                </a:rPr>
+                <a:t>下三角区</a:t>
+              </a:r>
+              <a:endParaRPr lang="zh-CN" altLang="en-US" b="1">
+                <a:latin typeface="楷体" panose="02010609060101010101" charset="-122"/>
+                <a:ea typeface="楷体" panose="02010609060101010101" charset="-122"/>
+              </a:endParaRPr>
+            </a:p>
+          </p:txBody>
+        </p:sp>
+      </p:grpSp>
+      <p:graphicFrame>
+        <p:nvGraphicFramePr>
+          <p:cNvPr id="18" name="对象 17">
+            <a:hlinkClick r:id="" action="ppaction://ole?verb="/>
+          </p:cNvPr>
+          <p:cNvGraphicFramePr>
+            <a:graphicFrameLocks noChangeAspect="1"/>
+          </p:cNvGraphicFramePr>
+          <p:nvPr/>
+        </p:nvGraphicFramePr>
+        <p:xfrm>
+          <a:off x="3236913" y="4856480"/>
+          <a:ext cx="8910320" cy="1852295"/>
+        </p:xfrm>
+        <a:graphic>
+          <a:graphicData uri="http://schemas.openxmlformats.org/presentationml/2006/ole">
+            <mc:AlternateContent xmlns:mc="http://schemas.openxmlformats.org/markup-compatibility/2006">
+              <mc:Choice xmlns:v="urn:schemas-microsoft-com:vml" Requires="v">
+                <p:oleObj spid="_x0000_s1026" name="" r:id="rId8" imgW="3543300" imgH="736600" progId="Equation.KSEE3">
+                  <p:embed/>
+                </p:oleObj>
+              </mc:Choice>
+              <mc:Fallback>
+                <p:oleObj name="" r:id="rId8" imgW="3543300" imgH="736600" progId="Equation.KSEE3">
+                  <p:embed/>
+                  <p:pic>
+                    <p:nvPicPr>
+                      <p:cNvPr id="0" name="图片 1025"/>
+                      <p:cNvPicPr/>
+                      <p:nvPr/>
+                    </p:nvPicPr>
+                    <p:blipFill>
+                      <a:blip r:embed="rId9"/>
+                      <a:stretch>
+                        <a:fillRect/>
+                      </a:stretch>
+                    </p:blipFill>
+                    <p:spPr>
+                      <a:xfrm>
+                        <a:off x="3236913" y="4856480"/>
+                        <a:ext cx="8910320" cy="1852295"/>
+                      </a:xfrm>
+                      <a:prstGeom prst="rect">
+                        <a:avLst/>
+                      </a:prstGeom>
+                      <a:solidFill>
+                        <a:schemeClr val="bg1"/>
+                      </a:solidFill>
+                    </p:spPr>
+                  </p:pic>
+                </p:oleObj>
+              </mc:Fallback>
+            </mc:AlternateContent>
+          </a:graphicData>
+        </a:graphic>
+      </p:graphicFrame>
+    </p:spTree>
+    <p:custDataLst>
+      <p:tags r:id="rId10"/>
+    </p:custDataLst>
+  </p:cSld>
+  <p:clrMapOvr>
+    <a:masterClrMapping/>
+  </p:clrMapOvr>
+</p:sld>
+</file>
+
+<file path=ppt/slides/slide5.xml><?xml version="1.0" encoding="utf-8"?>
+<p:sld xmlns:a="http://schemas.openxmlformats.org/drawingml/2006/main" xmlns:r="http://schemas.openxmlformats.org/officeDocument/2006/relationships" xmlns:p="http://schemas.openxmlformats.org/presentationml/2006/main">
+  <p:cSld>
+    <p:spTree>
+      <p:nvGrpSpPr>
+        <p:cNvPr id="1" name=""/>
+        <p:cNvGrpSpPr/>
+        <p:nvPr/>
+      </p:nvGrpSpPr>
+      <p:grpSpPr/>
+      <p:grpSp>
+        <p:nvGrpSpPr>
+          <p:cNvPr id="15" name="组合 14"/>
+          <p:cNvGrpSpPr/>
+          <p:nvPr/>
+        </p:nvGrpSpPr>
+        <p:grpSpPr>
+          <a:xfrm>
+            <a:off x="1553845" y="829945"/>
+            <a:ext cx="5629275" cy="4399280"/>
+            <a:chOff x="2447" y="1307"/>
+            <a:chExt cx="8865" cy="6928"/>
+          </a:xfrm>
+        </p:grpSpPr>
+        <p:graphicFrame>
+          <p:nvGraphicFramePr>
+            <p:cNvPr id="4" name="对象 3">
+              <a:hlinkClick r:id="" action="ppaction://ole?verb="/>
+            </p:cNvPr>
+            <p:cNvGraphicFramePr>
+              <a:graphicFrameLocks noChangeAspect="1"/>
+            </p:cNvGraphicFramePr>
+            <p:nvPr/>
+          </p:nvGraphicFramePr>
+          <p:xfrm>
+            <a:off x="2447" y="1307"/>
+            <a:ext cx="5809" cy="5993"/>
+          </p:xfrm>
+          <a:graphic>
+            <a:graphicData uri="http://schemas.openxmlformats.org/presentationml/2006/ole">
+              <mc:AlternateContent xmlns:mc="http://schemas.openxmlformats.org/markup-compatibility/2006">
+                <mc:Choice xmlns:v="urn:schemas-microsoft-com:vml" Requires="v">
+                  <p:oleObj spid="_x0000_s1025" name="" r:id="rId1" imgW="800100" imgH="825500" progId="Equation.KSEE3">
+                    <p:embed/>
+                  </p:oleObj>
+                </mc:Choice>
+                <mc:Fallback>
+                  <p:oleObj name="" r:id="rId1" imgW="800100" imgH="825500" progId="Equation.KSEE3">
+                    <p:embed/>
+                    <p:pic>
+                      <p:nvPicPr>
+                        <p:cNvPr id="0" name="图片 1024"/>
+                        <p:cNvPicPr/>
+                        <p:nvPr/>
+                      </p:nvPicPr>
+                      <p:blipFill>
+                        <a:blip r:embed="rId2"/>
+                        <a:stretch>
+                          <a:fillRect/>
+                        </a:stretch>
+                      </p:blipFill>
+                      <p:spPr>
+                        <a:xfrm>
+                          <a:off x="2447" y="1307"/>
+                          <a:ext cx="5809" cy="5993"/>
+                        </a:xfrm>
+                        <a:prstGeom prst="rect">
+                          <a:avLst/>
+                        </a:prstGeom>
+                        <a:solidFill>
+                          <a:schemeClr val="bg1"/>
+                        </a:solidFill>
+                      </p:spPr>
+                    </p:pic>
+                  </p:oleObj>
+                </mc:Fallback>
+              </mc:AlternateContent>
+            </a:graphicData>
+          </a:graphic>
+        </p:graphicFrame>
+        <p:cxnSp>
+          <p:nvCxnSpPr>
+            <p:cNvPr id="5" name="直接连接符 4"/>
+            <p:cNvCxnSpPr/>
+            <p:nvPr/>
+          </p:nvCxnSpPr>
+          <p:spPr>
+            <a:xfrm>
+              <a:off x="2704" y="1612"/>
+              <a:ext cx="5327" cy="5400"/>
+            </a:xfrm>
+            <a:prstGeom prst="line">
+              <a:avLst/>
+            </a:prstGeom>
+            <a:ln w="31750" cmpd="sng">
+              <a:solidFill>
+                <a:srgbClr val="FF0000"/>
+              </a:solidFill>
+              <a:prstDash val="dash"/>
+            </a:ln>
+          </p:spPr>
+          <p:style>
+            <a:lnRef idx="1">
+              <a:schemeClr val="accent1"/>
+            </a:lnRef>
+            <a:fillRef idx="0">
+              <a:schemeClr val="accent1"/>
+            </a:fillRef>
+            <a:effectRef idx="0">
+              <a:schemeClr val="accent1"/>
+            </a:effectRef>
+            <a:fontRef idx="minor">
+              <a:schemeClr val="tx1"/>
+            </a:fontRef>
+          </p:style>
+        </p:cxnSp>
+        <p:cxnSp>
+          <p:nvCxnSpPr>
+            <p:cNvPr id="6" name="直接箭头连接符 5"/>
+            <p:cNvCxnSpPr/>
+            <p:nvPr/>
+          </p:nvCxnSpPr>
+          <p:spPr>
+            <a:xfrm>
+              <a:off x="7832" y="6686"/>
+              <a:ext cx="1522" cy="18"/>
+            </a:xfrm>
+            <a:prstGeom prst="straightConnector1">
+              <a:avLst/>
+            </a:prstGeom>
+            <a:ln w="31750">
+              <a:solidFill>
+                <a:srgbClr val="00B050"/>
+              </a:solidFill>
+              <a:tailEnd type="arrow"/>
+            </a:ln>
+          </p:spPr>
+          <p:style>
+            <a:lnRef idx="1">
+              <a:schemeClr val="accent1"/>
+            </a:lnRef>
+            <a:fillRef idx="0">
+              <a:schemeClr val="accent1"/>
+            </a:fillRef>
+            <a:effectRef idx="0">
+              <a:schemeClr val="accent1"/>
+            </a:effectRef>
+            <a:fontRef idx="minor">
+              <a:schemeClr val="tx1"/>
+            </a:fontRef>
+          </p:style>
+        </p:cxnSp>
+        <p:sp>
+          <p:nvSpPr>
+            <p:cNvPr id="7" name="文本框 6"/>
+            <p:cNvSpPr txBox="1"/>
+            <p:nvPr/>
+          </p:nvSpPr>
+          <p:spPr>
+            <a:xfrm>
+              <a:off x="9354" y="6432"/>
+              <a:ext cx="1958" cy="580"/>
+            </a:xfrm>
+            <a:prstGeom prst="rect">
+              <a:avLst/>
+            </a:prstGeom>
+            <a:noFill/>
+          </p:spPr>
+          <p:txBody>
+            <a:bodyPr wrap="square" rtlCol="0">
+              <a:spAutoFit/>
+            </a:bodyPr>
+            <a:p>
+              <a:r>
+                <a:rPr lang="zh-CN" altLang="en-US" b="1">
+                  <a:latin typeface="楷体" panose="02010609060101010101" charset="-122"/>
+                  <a:ea typeface="楷体" panose="02010609060101010101" charset="-122"/>
+                </a:rPr>
+                <a:t>主对角线</a:t>
+              </a:r>
+              <a:endParaRPr lang="zh-CN" altLang="en-US" b="1">
+                <a:latin typeface="楷体" panose="02010609060101010101" charset="-122"/>
+                <a:ea typeface="楷体" panose="02010609060101010101" charset="-122"/>
+              </a:endParaRPr>
+            </a:p>
+          </p:txBody>
+        </p:sp>
+        <p:sp>
+          <p:nvSpPr>
+            <p:cNvPr id="8" name="直角三角形 7"/>
+            <p:cNvSpPr/>
+            <p:nvPr/>
+          </p:nvSpPr>
+          <p:spPr>
+            <a:xfrm>
+              <a:off x="2939" y="2519"/>
+              <a:ext cx="4132" cy="4348"/>
+            </a:xfrm>
+            <a:prstGeom prst="rtTriangle">
+              <a:avLst/>
+            </a:prstGeom>
+            <a:solidFill>
+              <a:schemeClr val="accent3">
+                <a:lumMod val="60000"/>
+                <a:lumOff val="40000"/>
+                <a:alpha val="51000"/>
+              </a:schemeClr>
+            </a:solidFill>
+            <a:ln w="28575" cmpd="sng">
+              <a:solidFill>
+                <a:schemeClr val="accent1">
+                  <a:shade val="50000"/>
+                </a:schemeClr>
+              </a:solidFill>
+              <a:prstDash val="sysDash"/>
+            </a:ln>
+          </p:spPr>
+          <p:style>
+            <a:lnRef idx="2">
+              <a:schemeClr val="accent1">
+                <a:shade val="50000"/>
+              </a:schemeClr>
+            </a:lnRef>
+            <a:fillRef idx="1">
+              <a:schemeClr val="accent1"/>
+            </a:fillRef>
+            <a:effectRef idx="0">
+              <a:schemeClr val="accent1"/>
+            </a:effectRef>
+            <a:fontRef idx="minor">
+              <a:schemeClr val="lt1"/>
+            </a:fontRef>
+          </p:style>
+          <p:txBody>
+            <a:bodyPr rtlCol="0" anchor="ctr"/>
+            <a:p>
+              <a:pPr algn="ctr"/>
+              <a:endParaRPr lang="zh-CN" altLang="en-US"/>
+            </a:p>
+          </p:txBody>
+        </p:sp>
+        <p:sp>
+          <p:nvSpPr>
+            <p:cNvPr id="10" name="直角三角形 9"/>
+            <p:cNvSpPr/>
+            <p:nvPr>
+              <p:custDataLst>
+                <p:tags r:id="rId3"/>
+              </p:custDataLst>
+            </p:nvPr>
+          </p:nvSpPr>
+          <p:spPr>
+            <a:xfrm rot="10800000">
+              <a:off x="3538" y="1612"/>
+              <a:ext cx="4132" cy="4348"/>
+            </a:xfrm>
+            <a:prstGeom prst="rtTriangle">
+              <a:avLst/>
+            </a:prstGeom>
+            <a:solidFill>
+              <a:schemeClr val="accent6">
+                <a:lumMod val="40000"/>
+                <a:lumOff val="60000"/>
+                <a:alpha val="51000"/>
+              </a:schemeClr>
+            </a:solidFill>
+            <a:ln w="28575" cmpd="sng">
+              <a:solidFill>
+                <a:schemeClr val="accent1">
+                  <a:shade val="50000"/>
+                </a:schemeClr>
+              </a:solidFill>
+              <a:prstDash val="sysDash"/>
+            </a:ln>
+          </p:spPr>
+          <p:style>
+            <a:lnRef idx="2">
+              <a:schemeClr val="accent1">
+                <a:shade val="50000"/>
+              </a:schemeClr>
+            </a:lnRef>
+            <a:fillRef idx="1">
+              <a:schemeClr val="accent1"/>
+            </a:fillRef>
+            <a:effectRef idx="0">
+              <a:schemeClr val="accent1"/>
+            </a:effectRef>
+            <a:fontRef idx="minor">
+              <a:schemeClr val="lt1"/>
+            </a:fontRef>
+          </p:style>
+          <p:txBody>
+            <a:bodyPr rtlCol="0" anchor="ctr"/>
+            <a:p>
+              <a:pPr algn="ctr"/>
+              <a:endParaRPr lang="zh-CN" altLang="en-US"/>
+            </a:p>
+          </p:txBody>
+        </p:sp>
+        <p:cxnSp>
+          <p:nvCxnSpPr>
+            <p:cNvPr id="11" name="直接箭头连接符 10"/>
+            <p:cNvCxnSpPr/>
+            <p:nvPr>
+              <p:custDataLst>
+                <p:tags r:id="rId4"/>
+              </p:custDataLst>
+            </p:nvPr>
+          </p:nvCxnSpPr>
+          <p:spPr>
+            <a:xfrm>
+              <a:off x="6836" y="2737"/>
+              <a:ext cx="2446" cy="18"/>
+            </a:xfrm>
+            <a:prstGeom prst="straightConnector1">
+              <a:avLst/>
+            </a:prstGeom>
+            <a:ln w="31750">
+              <a:solidFill>
+                <a:srgbClr val="00B050"/>
+              </a:solidFill>
+              <a:tailEnd type="arrow"/>
+            </a:ln>
+          </p:spPr>
+          <p:style>
+            <a:lnRef idx="1">
+              <a:schemeClr val="accent1"/>
+            </a:lnRef>
+            <a:fillRef idx="0">
+              <a:schemeClr val="accent1"/>
+            </a:fillRef>
+            <a:effectRef idx="0">
+              <a:schemeClr val="accent1"/>
+            </a:effectRef>
+            <a:fontRef idx="minor">
+              <a:schemeClr val="tx1"/>
+            </a:fontRef>
+          </p:style>
+        </p:cxnSp>
+        <p:sp>
+          <p:nvSpPr>
+            <p:cNvPr id="12" name="文本框 11"/>
+            <p:cNvSpPr txBox="1"/>
+            <p:nvPr>
+              <p:custDataLst>
+                <p:tags r:id="rId5"/>
+              </p:custDataLst>
+            </p:nvPr>
+          </p:nvSpPr>
+          <p:spPr>
+            <a:xfrm>
+              <a:off x="9282" y="2519"/>
+              <a:ext cx="1958" cy="580"/>
+            </a:xfrm>
+            <a:prstGeom prst="rect">
+              <a:avLst/>
+            </a:prstGeom>
+            <a:noFill/>
+          </p:spPr>
+          <p:txBody>
+            <a:bodyPr wrap="square" rtlCol="0">
+              <a:spAutoFit/>
+            </a:bodyPr>
+            <a:p>
+              <a:r>
+                <a:rPr lang="zh-CN" altLang="en-US" b="1">
+                  <a:latin typeface="楷体" panose="02010609060101010101" charset="-122"/>
+                  <a:ea typeface="楷体" panose="02010609060101010101" charset="-122"/>
+                </a:rPr>
+                <a:t>上三角区</a:t>
+              </a:r>
+              <a:endParaRPr lang="zh-CN" altLang="en-US" b="1">
+                <a:latin typeface="楷体" panose="02010609060101010101" charset="-122"/>
+                <a:ea typeface="楷体" panose="02010609060101010101" charset="-122"/>
+              </a:endParaRPr>
+            </a:p>
+          </p:txBody>
+        </p:sp>
+        <p:cxnSp>
+          <p:nvCxnSpPr>
+            <p:cNvPr id="13" name="直接箭头连接符 12"/>
+            <p:cNvCxnSpPr/>
+            <p:nvPr>
+              <p:custDataLst>
+                <p:tags r:id="rId6"/>
+              </p:custDataLst>
+            </p:nvPr>
+          </p:nvCxnSpPr>
+          <p:spPr>
+            <a:xfrm>
+              <a:off x="3882" y="6378"/>
+              <a:ext cx="0" cy="1196"/>
+            </a:xfrm>
+            <a:prstGeom prst="straightConnector1">
+              <a:avLst/>
+            </a:prstGeom>
+            <a:ln w="31750">
+              <a:solidFill>
+                <a:srgbClr val="00B050"/>
+              </a:solidFill>
+              <a:tailEnd type="arrow"/>
+            </a:ln>
+          </p:spPr>
+          <p:style>
+            <a:lnRef idx="1">
+              <a:schemeClr val="accent1"/>
+            </a:lnRef>
+            <a:fillRef idx="0">
+              <a:schemeClr val="accent1"/>
+            </a:fillRef>
+            <a:effectRef idx="0">
+              <a:schemeClr val="accent1"/>
+            </a:effectRef>
+            <a:fontRef idx="minor">
+              <a:schemeClr val="tx1"/>
+            </a:fontRef>
+          </p:style>
+        </p:cxnSp>
+        <p:sp>
+          <p:nvSpPr>
+            <p:cNvPr id="14" name="文本框 13"/>
+            <p:cNvSpPr txBox="1"/>
+            <p:nvPr>
+              <p:custDataLst>
+                <p:tags r:id="rId7"/>
+              </p:custDataLst>
+            </p:nvPr>
+          </p:nvSpPr>
+          <p:spPr>
+            <a:xfrm>
+              <a:off x="3047" y="7655"/>
+              <a:ext cx="1958" cy="580"/>
+            </a:xfrm>
+            <a:prstGeom prst="rect">
+              <a:avLst/>
+            </a:prstGeom>
+            <a:noFill/>
+          </p:spPr>
+          <p:txBody>
+            <a:bodyPr wrap="square" rtlCol="0">
+              <a:spAutoFit/>
+            </a:bodyPr>
+            <a:p>
+              <a:r>
+                <a:rPr lang="zh-CN" altLang="en-US" b="1">
+                  <a:latin typeface="楷体" panose="02010609060101010101" charset="-122"/>
+                  <a:ea typeface="楷体" panose="02010609060101010101" charset="-122"/>
+                </a:rPr>
+                <a:t>下三角区</a:t>
+              </a:r>
+              <a:endParaRPr lang="zh-CN" altLang="en-US" b="1">
+                <a:latin typeface="楷体" panose="02010609060101010101" charset="-122"/>
+                <a:ea typeface="楷体" panose="02010609060101010101" charset="-122"/>
+              </a:endParaRPr>
+            </a:p>
+          </p:txBody>
+        </p:sp>
+      </p:grpSp>
+      <p:graphicFrame>
+        <p:nvGraphicFramePr>
+          <p:cNvPr id="18" name="对象 17">
+            <a:hlinkClick r:id="" action="ppaction://ole?verb="/>
+          </p:cNvPr>
+          <p:cNvGraphicFramePr>
+            <a:graphicFrameLocks noChangeAspect="1"/>
+          </p:cNvGraphicFramePr>
+          <p:nvPr/>
+        </p:nvGraphicFramePr>
+        <p:xfrm>
+          <a:off x="3157856" y="4856480"/>
+          <a:ext cx="9068435" cy="1852295"/>
+        </p:xfrm>
+        <a:graphic>
+          <a:graphicData uri="http://schemas.openxmlformats.org/presentationml/2006/ole">
+            <mc:AlternateContent xmlns:mc="http://schemas.openxmlformats.org/markup-compatibility/2006">
+              <mc:Choice xmlns:v="urn:schemas-microsoft-com:vml" Requires="v">
+                <p:oleObj spid="_x0000_s1026" name="" r:id="rId8" imgW="3606165" imgH="736600" progId="Equation.KSEE3">
+                  <p:embed/>
+                </p:oleObj>
+              </mc:Choice>
+              <mc:Fallback>
+                <p:oleObj name="" r:id="rId8" imgW="3606165" imgH="736600" progId="Equation.KSEE3">
+                  <p:embed/>
+                  <p:pic>
+                    <p:nvPicPr>
+                      <p:cNvPr id="0" name="图片 1025"/>
+                      <p:cNvPicPr/>
+                      <p:nvPr/>
+                    </p:nvPicPr>
+                    <p:blipFill>
+                      <a:blip r:embed="rId9"/>
+                      <a:stretch>
+                        <a:fillRect/>
+                      </a:stretch>
+                    </p:blipFill>
+                    <p:spPr>
+                      <a:xfrm>
+                        <a:off x="3157856" y="4856480"/>
+                        <a:ext cx="9068435" cy="1852295"/>
+                      </a:xfrm>
+                      <a:prstGeom prst="rect">
+                        <a:avLst/>
+                      </a:prstGeom>
+                      <a:solidFill>
+                        <a:schemeClr val="bg1"/>
+                      </a:solidFill>
+                    </p:spPr>
+                  </p:pic>
+                </p:oleObj>
+              </mc:Fallback>
+            </mc:AlternateContent>
+          </a:graphicData>
+        </a:graphic>
+      </p:graphicFrame>
+    </p:spTree>
+    <p:custDataLst>
+      <p:tags r:id="rId10"/>
+    </p:custDataLst>
+  </p:cSld>
+  <p:clrMapOvr>
+    <a:masterClrMapping/>
+  </p:clrMapOvr>
+</p:sld>
+</file>
+
+<file path=ppt/slides/slide6.xml><?xml version="1.0" encoding="utf-8"?>
+<p:sld xmlns:a="http://schemas.openxmlformats.org/drawingml/2006/main" xmlns:r="http://schemas.openxmlformats.org/officeDocument/2006/relationships" xmlns:p="http://schemas.openxmlformats.org/presentationml/2006/main">
+  <p:cSld>
+    <p:spTree>
+      <p:nvGrpSpPr>
+        <p:cNvPr id="1" name=""/>
+        <p:cNvGrpSpPr/>
+        <p:nvPr/>
+      </p:nvGrpSpPr>
+      <p:grpSpPr/>
+      <p:grpSp>
+        <p:nvGrpSpPr>
+          <p:cNvPr id="15" name="组合 14"/>
+          <p:cNvGrpSpPr/>
+          <p:nvPr/>
+        </p:nvGrpSpPr>
+        <p:grpSpPr>
+          <a:xfrm>
+            <a:off x="1553845" y="829945"/>
+            <a:ext cx="5629275" cy="4399280"/>
+            <a:chOff x="2447" y="1307"/>
+            <a:chExt cx="8865" cy="6928"/>
+          </a:xfrm>
+        </p:grpSpPr>
+        <p:graphicFrame>
+          <p:nvGraphicFramePr>
+            <p:cNvPr id="4" name="对象 3">
+              <a:hlinkClick r:id="" action="ppaction://ole?verb="/>
+            </p:cNvPr>
+            <p:cNvGraphicFramePr>
+              <a:graphicFrameLocks noChangeAspect="1"/>
+            </p:cNvGraphicFramePr>
+            <p:nvPr/>
+          </p:nvGraphicFramePr>
+          <p:xfrm>
+            <a:off x="2447" y="1307"/>
+            <a:ext cx="5809" cy="5993"/>
+          </p:xfrm>
+          <a:graphic>
+            <a:graphicData uri="http://schemas.openxmlformats.org/presentationml/2006/ole">
+              <mc:AlternateContent xmlns:mc="http://schemas.openxmlformats.org/markup-compatibility/2006">
+                <mc:Choice xmlns:v="urn:schemas-microsoft-com:vml" Requires="v">
+                  <p:oleObj spid="_x0000_s1025" name="" r:id="rId1" imgW="800100" imgH="825500" progId="Equation.KSEE3">
+                    <p:embed/>
+                  </p:oleObj>
+                </mc:Choice>
+                <mc:Fallback>
+                  <p:oleObj name="" r:id="rId1" imgW="800100" imgH="825500" progId="Equation.KSEE3">
+                    <p:embed/>
+                    <p:pic>
+                      <p:nvPicPr>
+                        <p:cNvPr id="0" name="图片 1024"/>
+                        <p:cNvPicPr/>
+                        <p:nvPr/>
+                      </p:nvPicPr>
+                      <p:blipFill>
+                        <a:blip r:embed="rId2"/>
+                        <a:stretch>
+                          <a:fillRect/>
+                        </a:stretch>
+                      </p:blipFill>
+                      <p:spPr>
+                        <a:xfrm>
+                          <a:off x="2447" y="1307"/>
+                          <a:ext cx="5809" cy="5993"/>
+                        </a:xfrm>
+                        <a:prstGeom prst="rect">
+                          <a:avLst/>
+                        </a:prstGeom>
+                        <a:solidFill>
+                          <a:schemeClr val="bg1"/>
+                        </a:solidFill>
+                      </p:spPr>
+                    </p:pic>
+                  </p:oleObj>
+                </mc:Fallback>
+              </mc:AlternateContent>
+            </a:graphicData>
+          </a:graphic>
+        </p:graphicFrame>
+        <p:cxnSp>
+          <p:nvCxnSpPr>
+            <p:cNvPr id="5" name="直接连接符 4"/>
+            <p:cNvCxnSpPr/>
+            <p:nvPr/>
+          </p:nvCxnSpPr>
+          <p:spPr>
+            <a:xfrm>
+              <a:off x="2704" y="1612"/>
+              <a:ext cx="5327" cy="5400"/>
+            </a:xfrm>
+            <a:prstGeom prst="line">
+              <a:avLst/>
+            </a:prstGeom>
+            <a:ln w="31750" cmpd="sng">
+              <a:solidFill>
+                <a:srgbClr val="FF0000"/>
+              </a:solidFill>
+              <a:prstDash val="dash"/>
+            </a:ln>
+          </p:spPr>
+          <p:style>
+            <a:lnRef idx="1">
+              <a:schemeClr val="accent1"/>
+            </a:lnRef>
+            <a:fillRef idx="0">
+              <a:schemeClr val="accent1"/>
+            </a:fillRef>
+            <a:effectRef idx="0">
+              <a:schemeClr val="accent1"/>
+            </a:effectRef>
+            <a:fontRef idx="minor">
+              <a:schemeClr val="tx1"/>
+            </a:fontRef>
+          </p:style>
+        </p:cxnSp>
+        <p:cxnSp>
+          <p:nvCxnSpPr>
+            <p:cNvPr id="6" name="直接箭头连接符 5"/>
+            <p:cNvCxnSpPr/>
+            <p:nvPr/>
+          </p:nvCxnSpPr>
+          <p:spPr>
+            <a:xfrm>
+              <a:off x="7832" y="6686"/>
+              <a:ext cx="1522" cy="18"/>
+            </a:xfrm>
+            <a:prstGeom prst="straightConnector1">
+              <a:avLst/>
+            </a:prstGeom>
+            <a:ln w="31750">
+              <a:solidFill>
+                <a:srgbClr val="00B050"/>
+              </a:solidFill>
+              <a:tailEnd type="arrow"/>
+            </a:ln>
+          </p:spPr>
+          <p:style>
+            <a:lnRef idx="1">
+              <a:schemeClr val="accent1"/>
+            </a:lnRef>
+            <a:fillRef idx="0">
+              <a:schemeClr val="accent1"/>
+            </a:fillRef>
+            <a:effectRef idx="0">
+              <a:schemeClr val="accent1"/>
+            </a:effectRef>
+            <a:fontRef idx="minor">
+              <a:schemeClr val="tx1"/>
+            </a:fontRef>
+          </p:style>
+        </p:cxnSp>
+        <p:sp>
+          <p:nvSpPr>
+            <p:cNvPr id="7" name="文本框 6"/>
+            <p:cNvSpPr txBox="1"/>
+            <p:nvPr/>
+          </p:nvSpPr>
+          <p:spPr>
+            <a:xfrm>
+              <a:off x="9354" y="6432"/>
+              <a:ext cx="1958" cy="580"/>
+            </a:xfrm>
+            <a:prstGeom prst="rect">
+              <a:avLst/>
+            </a:prstGeom>
+            <a:noFill/>
+          </p:spPr>
+          <p:txBody>
+            <a:bodyPr wrap="square" rtlCol="0">
+              <a:spAutoFit/>
+            </a:bodyPr>
+            <a:p>
+              <a:r>
+                <a:rPr lang="zh-CN" altLang="en-US" b="1">
+                  <a:latin typeface="楷体" panose="02010609060101010101" charset="-122"/>
+                  <a:ea typeface="楷体" panose="02010609060101010101" charset="-122"/>
+                </a:rPr>
+                <a:t>主对角线</a:t>
+              </a:r>
+              <a:endParaRPr lang="zh-CN" altLang="en-US" b="1">
+                <a:latin typeface="楷体" panose="02010609060101010101" charset="-122"/>
+                <a:ea typeface="楷体" panose="02010609060101010101" charset="-122"/>
+              </a:endParaRPr>
+            </a:p>
+          </p:txBody>
+        </p:sp>
+        <p:sp>
+          <p:nvSpPr>
+            <p:cNvPr id="8" name="直角三角形 7"/>
+            <p:cNvSpPr/>
+            <p:nvPr/>
+          </p:nvSpPr>
+          <p:spPr>
+            <a:xfrm>
+              <a:off x="2939" y="2519"/>
+              <a:ext cx="4132" cy="4348"/>
+            </a:xfrm>
+            <a:prstGeom prst="rtTriangle">
+              <a:avLst/>
+            </a:prstGeom>
+            <a:solidFill>
+              <a:schemeClr val="accent3">
+                <a:lumMod val="60000"/>
+                <a:lumOff val="40000"/>
+                <a:alpha val="51000"/>
+              </a:schemeClr>
+            </a:solidFill>
+            <a:ln w="28575" cmpd="sng">
+              <a:solidFill>
+                <a:schemeClr val="accent1">
+                  <a:shade val="50000"/>
+                </a:schemeClr>
+              </a:solidFill>
+              <a:prstDash val="sysDash"/>
+            </a:ln>
+          </p:spPr>
+          <p:style>
+            <a:lnRef idx="2">
+              <a:schemeClr val="accent1">
+                <a:shade val="50000"/>
+              </a:schemeClr>
+            </a:lnRef>
+            <a:fillRef idx="1">
+              <a:schemeClr val="accent1"/>
+            </a:fillRef>
+            <a:effectRef idx="0">
+              <a:schemeClr val="accent1"/>
+            </a:effectRef>
+            <a:fontRef idx="minor">
+              <a:schemeClr val="lt1"/>
+            </a:fontRef>
+          </p:style>
+          <p:txBody>
+            <a:bodyPr rtlCol="0" anchor="ctr"/>
+            <a:p>
+              <a:pPr algn="ctr"/>
+              <a:endParaRPr lang="zh-CN" altLang="en-US"/>
+            </a:p>
+          </p:txBody>
+        </p:sp>
+        <p:sp>
+          <p:nvSpPr>
+            <p:cNvPr id="10" name="直角三角形 9"/>
+            <p:cNvSpPr/>
+            <p:nvPr>
+              <p:custDataLst>
+                <p:tags r:id="rId3"/>
+              </p:custDataLst>
+            </p:nvPr>
+          </p:nvSpPr>
+          <p:spPr>
+            <a:xfrm rot="10800000">
+              <a:off x="3538" y="1612"/>
+              <a:ext cx="4132" cy="4348"/>
+            </a:xfrm>
+            <a:prstGeom prst="rtTriangle">
+              <a:avLst/>
+            </a:prstGeom>
+            <a:solidFill>
+              <a:schemeClr val="accent6">
+                <a:lumMod val="40000"/>
+                <a:lumOff val="60000"/>
+                <a:alpha val="51000"/>
+              </a:schemeClr>
+            </a:solidFill>
+            <a:ln w="28575" cmpd="sng">
+              <a:solidFill>
+                <a:schemeClr val="accent1">
+                  <a:shade val="50000"/>
+                </a:schemeClr>
+              </a:solidFill>
+              <a:prstDash val="sysDash"/>
+            </a:ln>
+          </p:spPr>
+          <p:style>
+            <a:lnRef idx="2">
+              <a:schemeClr val="accent1">
+                <a:shade val="50000"/>
+              </a:schemeClr>
+            </a:lnRef>
+            <a:fillRef idx="1">
+              <a:schemeClr val="accent1"/>
+            </a:fillRef>
+            <a:effectRef idx="0">
+              <a:schemeClr val="accent1"/>
+            </a:effectRef>
+            <a:fontRef idx="minor">
+              <a:schemeClr val="lt1"/>
+            </a:fontRef>
+          </p:style>
+          <p:txBody>
+            <a:bodyPr rtlCol="0" anchor="ctr"/>
+            <a:p>
+              <a:pPr algn="ctr"/>
+              <a:endParaRPr lang="zh-CN" altLang="en-US"/>
+            </a:p>
+          </p:txBody>
+        </p:sp>
+        <p:cxnSp>
+          <p:nvCxnSpPr>
+            <p:cNvPr id="11" name="直接箭头连接符 10"/>
+            <p:cNvCxnSpPr/>
+            <p:nvPr>
+              <p:custDataLst>
+                <p:tags r:id="rId4"/>
+              </p:custDataLst>
+            </p:nvPr>
+          </p:nvCxnSpPr>
+          <p:spPr>
+            <a:xfrm>
+              <a:off x="6836" y="2737"/>
+              <a:ext cx="2446" cy="18"/>
+            </a:xfrm>
+            <a:prstGeom prst="straightConnector1">
+              <a:avLst/>
+            </a:prstGeom>
+            <a:ln w="31750">
+              <a:solidFill>
+                <a:srgbClr val="00B050"/>
+              </a:solidFill>
+              <a:tailEnd type="arrow"/>
+            </a:ln>
+          </p:spPr>
+          <p:style>
+            <a:lnRef idx="1">
+              <a:schemeClr val="accent1"/>
+            </a:lnRef>
+            <a:fillRef idx="0">
+              <a:schemeClr val="accent1"/>
+            </a:fillRef>
+            <a:effectRef idx="0">
+              <a:schemeClr val="accent1"/>
+            </a:effectRef>
+            <a:fontRef idx="minor">
+              <a:schemeClr val="tx1"/>
+            </a:fontRef>
+          </p:style>
+        </p:cxnSp>
+        <p:sp>
+          <p:nvSpPr>
+            <p:cNvPr id="12" name="文本框 11"/>
+            <p:cNvSpPr txBox="1"/>
+            <p:nvPr>
+              <p:custDataLst>
+                <p:tags r:id="rId5"/>
+              </p:custDataLst>
+            </p:nvPr>
+          </p:nvSpPr>
+          <p:spPr>
+            <a:xfrm>
+              <a:off x="9282" y="2519"/>
+              <a:ext cx="1958" cy="580"/>
+            </a:xfrm>
+            <a:prstGeom prst="rect">
+              <a:avLst/>
+            </a:prstGeom>
+            <a:noFill/>
+          </p:spPr>
+          <p:txBody>
+            <a:bodyPr wrap="square" rtlCol="0">
+              <a:spAutoFit/>
+            </a:bodyPr>
+            <a:p>
+              <a:r>
+                <a:rPr lang="zh-CN" altLang="en-US" b="1">
+                  <a:latin typeface="楷体" panose="02010609060101010101" charset="-122"/>
+                  <a:ea typeface="楷体" panose="02010609060101010101" charset="-122"/>
+                </a:rPr>
+                <a:t>上三角区</a:t>
+              </a:r>
+              <a:endParaRPr lang="zh-CN" altLang="en-US" b="1">
+                <a:latin typeface="楷体" panose="02010609060101010101" charset="-122"/>
+                <a:ea typeface="楷体" panose="02010609060101010101" charset="-122"/>
+              </a:endParaRPr>
+            </a:p>
+          </p:txBody>
+        </p:sp>
+        <p:cxnSp>
+          <p:nvCxnSpPr>
+            <p:cNvPr id="13" name="直接箭头连接符 12"/>
+            <p:cNvCxnSpPr/>
+            <p:nvPr>
+              <p:custDataLst>
+                <p:tags r:id="rId6"/>
+              </p:custDataLst>
+            </p:nvPr>
+          </p:nvCxnSpPr>
+          <p:spPr>
+            <a:xfrm>
+              <a:off x="3882" y="6378"/>
+              <a:ext cx="0" cy="1196"/>
+            </a:xfrm>
+            <a:prstGeom prst="straightConnector1">
+              <a:avLst/>
+            </a:prstGeom>
+            <a:ln w="31750">
+              <a:solidFill>
+                <a:srgbClr val="00B050"/>
+              </a:solidFill>
+              <a:tailEnd type="arrow"/>
+            </a:ln>
+          </p:spPr>
+          <p:style>
+            <a:lnRef idx="1">
+              <a:schemeClr val="accent1"/>
+            </a:lnRef>
+            <a:fillRef idx="0">
+              <a:schemeClr val="accent1"/>
+            </a:fillRef>
+            <a:effectRef idx="0">
+              <a:schemeClr val="accent1"/>
+            </a:effectRef>
+            <a:fontRef idx="minor">
+              <a:schemeClr val="tx1"/>
+            </a:fontRef>
+          </p:style>
+        </p:cxnSp>
+        <p:sp>
+          <p:nvSpPr>
+            <p:cNvPr id="14" name="文本框 13"/>
+            <p:cNvSpPr txBox="1"/>
+            <p:nvPr>
+              <p:custDataLst>
+                <p:tags r:id="rId7"/>
+              </p:custDataLst>
+            </p:nvPr>
+          </p:nvSpPr>
+          <p:spPr>
+            <a:xfrm>
+              <a:off x="3047" y="7655"/>
+              <a:ext cx="1958" cy="580"/>
+            </a:xfrm>
+            <a:prstGeom prst="rect">
+              <a:avLst/>
+            </a:prstGeom>
+            <a:noFill/>
+          </p:spPr>
+          <p:txBody>
+            <a:bodyPr wrap="square" rtlCol="0">
+              <a:spAutoFit/>
+            </a:bodyPr>
+            <a:p>
+              <a:r>
+                <a:rPr lang="zh-CN" altLang="en-US" b="1">
+                  <a:latin typeface="楷体" panose="02010609060101010101" charset="-122"/>
+                  <a:ea typeface="楷体" panose="02010609060101010101" charset="-122"/>
+                </a:rPr>
+                <a:t>下三角区</a:t>
+              </a:r>
+              <a:endParaRPr lang="zh-CN" altLang="en-US" b="1">
+                <a:latin typeface="楷体" panose="02010609060101010101" charset="-122"/>
+                <a:ea typeface="楷体" panose="02010609060101010101" charset="-122"/>
+              </a:endParaRPr>
+            </a:p>
+          </p:txBody>
+        </p:sp>
+      </p:grpSp>
+      <p:graphicFrame>
+        <p:nvGraphicFramePr>
+          <p:cNvPr id="2" name="对象 1">
+            <a:hlinkClick r:id="" action="ppaction://ole?verb="/>
+          </p:cNvPr>
+          <p:cNvGraphicFramePr>
+            <a:graphicFrameLocks noChangeAspect="1"/>
+          </p:cNvGraphicFramePr>
+          <p:nvPr>
+            <p:custDataLst>
+              <p:tags r:id="rId8"/>
+            </p:custDataLst>
+          </p:nvPr>
+        </p:nvGraphicFramePr>
+        <p:xfrm>
+          <a:off x="3859530" y="4856480"/>
+          <a:ext cx="7665085" cy="1852295"/>
+        </p:xfrm>
+        <a:graphic>
+          <a:graphicData uri="http://schemas.openxmlformats.org/presentationml/2006/ole">
+            <mc:AlternateContent xmlns:mc="http://schemas.openxmlformats.org/markup-compatibility/2006">
+              <mc:Choice xmlns:v="urn:schemas-microsoft-com:vml" Requires="v">
+                <p:oleObj spid="_x0000_s3" name="" r:id="rId9" imgW="3048000" imgH="736600" progId="Equation.KSEE3">
+                  <p:embed/>
+                </p:oleObj>
+              </mc:Choice>
+              <mc:Fallback>
+                <p:oleObj name="" r:id="rId9" imgW="3048000" imgH="736600" progId="Equation.KSEE3">
+                  <p:embed/>
+                  <p:pic>
+                    <p:nvPicPr>
+                      <p:cNvPr id="0" name="图片 1025"/>
+                      <p:cNvPicPr/>
+                      <p:nvPr/>
+                    </p:nvPicPr>
+                    <p:blipFill>
+                      <a:blip r:embed="rId10"/>
+                      <a:stretch>
+                        <a:fillRect/>
+                      </a:stretch>
+                    </p:blipFill>
+                    <p:spPr>
+                      <a:xfrm>
+                        <a:off x="3859530" y="4856480"/>
+                        <a:ext cx="7665085" cy="1852295"/>
+                      </a:xfrm>
+                      <a:prstGeom prst="rect">
+                        <a:avLst/>
+                      </a:prstGeom>
+                      <a:solidFill>
+                        <a:schemeClr val="bg1"/>
+                      </a:solidFill>
+                    </p:spPr>
+                  </p:pic>
+                </p:oleObj>
+              </mc:Fallback>
+            </mc:AlternateContent>
+          </a:graphicData>
+        </a:graphic>
+      </p:graphicFrame>
+    </p:spTree>
+    <p:custDataLst>
+      <p:tags r:id="rId11"/>
+    </p:custDataLst>
+  </p:cSld>
+  <p:clrMapOvr>
+    <a:masterClrMapping/>
+  </p:clrMapOvr>
+</p:sld>
+</file>
+
+<file path=ppt/slides/slide7.xml><?xml version="1.0" encoding="utf-8"?>
+<p:sld xmlns:a="http://schemas.openxmlformats.org/drawingml/2006/main" xmlns:r="http://schemas.openxmlformats.org/officeDocument/2006/relationships" xmlns:p="http://schemas.openxmlformats.org/presentationml/2006/main">
+  <p:cSld>
+    <p:spTree>
+      <p:nvGrpSpPr>
+        <p:cNvPr id="1" name=""/>
+        <p:cNvGrpSpPr/>
+        <p:nvPr/>
+      </p:nvGrpSpPr>
+      <p:grpSpPr/>
+      <p:graphicFrame>
+        <p:nvGraphicFramePr>
+          <p:cNvPr id="18" name="对象 17">
+            <a:hlinkClick r:id="" action="ppaction://ole?verb="/>
+          </p:cNvPr>
+          <p:cNvGraphicFramePr>
+            <a:graphicFrameLocks noChangeAspect="1"/>
+          </p:cNvGraphicFramePr>
+          <p:nvPr>
+            <p:custDataLst>
+              <p:tags r:id="rId1"/>
+            </p:custDataLst>
+          </p:nvPr>
+        </p:nvGraphicFramePr>
+        <p:xfrm>
+          <a:off x="2605405" y="534670"/>
+          <a:ext cx="7568565" cy="1852295"/>
+        </p:xfrm>
+        <a:graphic>
+          <a:graphicData uri="http://schemas.openxmlformats.org/presentationml/2006/ole">
+            <mc:AlternateContent xmlns:mc="http://schemas.openxmlformats.org/markup-compatibility/2006">
+              <mc:Choice xmlns:v="urn:schemas-microsoft-com:vml" Requires="v">
+                <p:oleObj spid="_x0000_s1026" name="" r:id="rId2" imgW="3009900" imgH="736600" progId="Equation.KSEE3">
+                  <p:embed/>
+                </p:oleObj>
+              </mc:Choice>
+              <mc:Fallback>
+                <p:oleObj name="" r:id="rId2" imgW="3009900" imgH="736600" progId="Equation.KSEE3">
+                  <p:embed/>
+                  <p:pic>
+                    <p:nvPicPr>
+                      <p:cNvPr id="0" name="图片 1025"/>
+                      <p:cNvPicPr/>
+                      <p:nvPr/>
+                    </p:nvPicPr>
+                    <p:blipFill>
+                      <a:blip r:embed="rId3"/>
+                      <a:stretch>
+                        <a:fillRect/>
+                      </a:stretch>
+                    </p:blipFill>
+                    <p:spPr>
+                      <a:xfrm>
+                        <a:off x="2605405" y="534670"/>
+                        <a:ext cx="7568565" cy="1852295"/>
+                      </a:xfrm>
+                      <a:prstGeom prst="rect">
+                        <a:avLst/>
+                      </a:prstGeom>
+                      <a:solidFill>
+                        <a:schemeClr val="bg1"/>
+                      </a:solidFill>
+                    </p:spPr>
+                  </p:pic>
+                </p:oleObj>
+              </mc:Fallback>
+            </mc:AlternateContent>
+          </a:graphicData>
+        </a:graphic>
+      </p:graphicFrame>
+      <p:graphicFrame>
+        <p:nvGraphicFramePr>
+          <p:cNvPr id="4" name="对象 3">
+            <a:hlinkClick r:id="" action="ppaction://ole?verb="/>
+          </p:cNvPr>
+          <p:cNvGraphicFramePr>
+            <a:graphicFrameLocks noChangeAspect="1"/>
+          </p:cNvGraphicFramePr>
+          <p:nvPr>
+            <p:custDataLst>
+              <p:tags r:id="rId4"/>
+            </p:custDataLst>
+          </p:nvPr>
+        </p:nvGraphicFramePr>
+        <p:xfrm>
+          <a:off x="2605406" y="2583815"/>
+          <a:ext cx="9068435" cy="1852295"/>
+        </p:xfrm>
+        <a:graphic>
+          <a:graphicData uri="http://schemas.openxmlformats.org/presentationml/2006/ole">
+            <mc:AlternateContent xmlns:mc="http://schemas.openxmlformats.org/markup-compatibility/2006">
+              <mc:Choice xmlns:v="urn:schemas-microsoft-com:vml" Requires="v">
+                <p:oleObj spid="_x0000_s5" name="" r:id="rId5" imgW="3606165" imgH="736600" progId="Equation.KSEE3">
+                  <p:embed/>
+                </p:oleObj>
+              </mc:Choice>
+              <mc:Fallback>
+                <p:oleObj name="" r:id="rId5" imgW="3606165" imgH="736600" progId="Equation.KSEE3">
+                  <p:embed/>
+                  <p:pic>
+                    <p:nvPicPr>
+                      <p:cNvPr id="0" name="图片 1025"/>
+                      <p:cNvPicPr/>
+                      <p:nvPr/>
+                    </p:nvPicPr>
+                    <p:blipFill>
+                      <a:blip r:embed="rId6"/>
+                      <a:stretch>
+                        <a:fillRect/>
+                      </a:stretch>
+                    </p:blipFill>
+                    <p:spPr>
+                      <a:xfrm>
+                        <a:off x="2605406" y="2583815"/>
+                        <a:ext cx="9068435" cy="1852295"/>
+                      </a:xfrm>
+                      <a:prstGeom prst="rect">
+                        <a:avLst/>
+                      </a:prstGeom>
+                      <a:solidFill>
+                        <a:schemeClr val="bg1"/>
+                      </a:solidFill>
+                    </p:spPr>
+                  </p:pic>
+                </p:oleObj>
+              </mc:Fallback>
+            </mc:AlternateContent>
+          </a:graphicData>
+        </a:graphic>
+      </p:graphicFrame>
+      <p:sp>
+        <p:nvSpPr>
+          <p:cNvPr id="9" name="文本框 8"/>
+          <p:cNvSpPr txBox="1"/>
+          <p:nvPr>
+            <p:custDataLst>
+              <p:tags r:id="rId7"/>
+            </p:custDataLst>
+          </p:nvPr>
+        </p:nvSpPr>
+        <p:spPr>
+          <a:xfrm>
+            <a:off x="1771650" y="1406525"/>
+            <a:ext cx="833755" cy="337185"/>
+          </a:xfrm>
+          <a:prstGeom prst="rect">
+            <a:avLst/>
+          </a:prstGeom>
+          <a:noFill/>
+        </p:spPr>
+        <p:txBody>
+          <a:bodyPr wrap="square" rtlCol="0">
+            <a:spAutoFit/>
+          </a:bodyPr>
+          <a:p>
+            <a:r>
+              <a:rPr lang="zh-CN" altLang="en-US" sz="1600" b="1">
+                <a:latin typeface="楷体" panose="02010609060101010101" charset="-122"/>
+                <a:ea typeface="楷体" panose="02010609060101010101" charset="-122"/>
+              </a:rPr>
+              <a:t>行优先</a:t>
+            </a:r>
+            <a:endParaRPr lang="zh-CN" altLang="en-US" sz="1600" b="1">
+              <a:latin typeface="楷体" panose="02010609060101010101" charset="-122"/>
+              <a:ea typeface="楷体" panose="02010609060101010101" charset="-122"/>
+            </a:endParaRPr>
+          </a:p>
+        </p:txBody>
+      </p:sp>
+      <p:sp>
+        <p:nvSpPr>
+          <p:cNvPr id="7" name="文本框 6"/>
+          <p:cNvSpPr txBox="1"/>
+          <p:nvPr>
+            <p:custDataLst>
+              <p:tags r:id="rId8"/>
+            </p:custDataLst>
+          </p:nvPr>
+        </p:nvSpPr>
+        <p:spPr>
+          <a:xfrm>
+            <a:off x="1703070" y="3429000"/>
+            <a:ext cx="833755" cy="337185"/>
+          </a:xfrm>
+          <a:prstGeom prst="rect">
+            <a:avLst/>
+          </a:prstGeom>
+          <a:noFill/>
+        </p:spPr>
+        <p:txBody>
+          <a:bodyPr wrap="square" rtlCol="0">
+            <a:spAutoFit/>
+          </a:bodyPr>
+          <a:p>
+            <a:r>
+              <a:rPr lang="zh-CN" altLang="en-US" sz="1600" b="1">
+                <a:latin typeface="楷体" panose="02010609060101010101" charset="-122"/>
+                <a:ea typeface="楷体" panose="02010609060101010101" charset="-122"/>
+              </a:rPr>
+              <a:t>列优先</a:t>
+            </a:r>
+            <a:endParaRPr lang="zh-CN" altLang="en-US" sz="1600" b="1">
+              <a:latin typeface="楷体" panose="02010609060101010101" charset="-122"/>
+              <a:ea typeface="楷体" panose="02010609060101010101" charset="-122"/>
+            </a:endParaRPr>
+          </a:p>
+        </p:txBody>
+      </p:sp>
+    </p:spTree>
+    <p:custDataLst>
+      <p:tags r:id="rId9"/>
+    </p:custDataLst>
+  </p:cSld>
+  <p:clrMapOvr>
+    <a:masterClrMapping/>
+  </p:clrMapOvr>
+</p:sld>
+</file>
+
+<file path=ppt/slides/slide8.xml><?xml version="1.0" encoding="utf-8"?>
+<p:sld xmlns:a="http://schemas.openxmlformats.org/drawingml/2006/main" xmlns:r="http://schemas.openxmlformats.org/officeDocument/2006/relationships" xmlns:p="http://schemas.openxmlformats.org/presentationml/2006/main">
+  <p:cSld>
+    <p:spTree>
+      <p:nvGrpSpPr>
+        <p:cNvPr id="1" name=""/>
+        <p:cNvGrpSpPr/>
+        <p:nvPr/>
+      </p:nvGrpSpPr>
+      <p:grpSpPr/>
+      <p:graphicFrame>
+        <p:nvGraphicFramePr>
+          <p:cNvPr id="18" name="对象 17">
+            <a:hlinkClick r:id="" action="ppaction://ole?verb="/>
+          </p:cNvPr>
+          <p:cNvGraphicFramePr>
+            <a:graphicFrameLocks noChangeAspect="1"/>
+          </p:cNvGraphicFramePr>
+          <p:nvPr>
+            <p:custDataLst>
+              <p:tags r:id="rId1"/>
+            </p:custDataLst>
+          </p:nvPr>
+        </p:nvGraphicFramePr>
+        <p:xfrm>
+          <a:off x="1640523" y="208280"/>
+          <a:ext cx="8910320" cy="1852295"/>
+        </p:xfrm>
+        <a:graphic>
+          <a:graphicData uri="http://schemas.openxmlformats.org/presentationml/2006/ole">
+            <mc:AlternateContent xmlns:mc="http://schemas.openxmlformats.org/markup-compatibility/2006">
+              <mc:Choice xmlns:v="urn:schemas-microsoft-com:vml" Requires="v">
+                <p:oleObj spid="_x0000_s1026" name="" r:id="rId2" imgW="3543300" imgH="736600" progId="Equation.KSEE3">
+                  <p:embed/>
+                </p:oleObj>
+              </mc:Choice>
+              <mc:Fallback>
+                <p:oleObj name="" r:id="rId2" imgW="3543300" imgH="736600" progId="Equation.KSEE3">
+                  <p:embed/>
+                  <p:pic>
+                    <p:nvPicPr>
+                      <p:cNvPr id="0" name="图片 1025"/>
+                      <p:cNvPicPr/>
+                      <p:nvPr/>
+                    </p:nvPicPr>
+                    <p:blipFill>
+                      <a:blip r:embed="rId3"/>
+                      <a:stretch>
+                        <a:fillRect/>
+                      </a:stretch>
+                    </p:blipFill>
+                    <p:spPr>
+                      <a:xfrm>
+                        <a:off x="1640523" y="208280"/>
+                        <a:ext cx="8910320" cy="1852295"/>
+                      </a:xfrm>
+                      <a:prstGeom prst="rect">
+                        <a:avLst/>
+                      </a:prstGeom>
+                      <a:solidFill>
+                        <a:schemeClr val="bg1"/>
+                      </a:solidFill>
+                    </p:spPr>
+                  </p:pic>
+                </p:oleObj>
+              </mc:Fallback>
+            </mc:AlternateContent>
+          </a:graphicData>
+        </a:graphic>
+      </p:graphicFrame>
+      <p:graphicFrame>
+        <p:nvGraphicFramePr>
+          <p:cNvPr id="5" name="对象 4">
+            <a:hlinkClick r:id="" action="ppaction://ole?verb="/>
+          </p:cNvPr>
+          <p:cNvGraphicFramePr>
+            <a:graphicFrameLocks noChangeAspect="1"/>
+          </p:cNvGraphicFramePr>
+          <p:nvPr>
+            <p:custDataLst>
+              <p:tags r:id="rId4"/>
+            </p:custDataLst>
+          </p:nvPr>
+        </p:nvGraphicFramePr>
+        <p:xfrm>
+          <a:off x="1640840" y="2393950"/>
+          <a:ext cx="7665085" cy="1852295"/>
+        </p:xfrm>
+        <a:graphic>
+          <a:graphicData uri="http://schemas.openxmlformats.org/presentationml/2006/ole">
+            <mc:AlternateContent xmlns:mc="http://schemas.openxmlformats.org/markup-compatibility/2006">
+              <mc:Choice xmlns:v="urn:schemas-microsoft-com:vml" Requires="v">
+                <p:oleObj spid="_x0000_s6" name="" r:id="rId5" imgW="3048000" imgH="736600" progId="Equation.KSEE3">
+                  <p:embed/>
+                </p:oleObj>
+              </mc:Choice>
+              <mc:Fallback>
+                <p:oleObj name="" r:id="rId5" imgW="3048000" imgH="736600" progId="Equation.KSEE3">
+                  <p:embed/>
+                  <p:pic>
+                    <p:nvPicPr>
+                      <p:cNvPr id="0" name="图片 1025"/>
+                      <p:cNvPicPr/>
+                      <p:nvPr/>
+                    </p:nvPicPr>
+                    <p:blipFill>
+                      <a:blip r:embed="rId6"/>
+                      <a:stretch>
+                        <a:fillRect/>
+                      </a:stretch>
+                    </p:blipFill>
+                    <p:spPr>
+                      <a:xfrm>
+                        <a:off x="1640840" y="2393950"/>
+                        <a:ext cx="7665085" cy="1852295"/>
+                      </a:xfrm>
+                      <a:prstGeom prst="rect">
+                        <a:avLst/>
+                      </a:prstGeom>
+                      <a:solidFill>
+                        <a:schemeClr val="bg1"/>
+                      </a:solidFill>
+                    </p:spPr>
+                  </p:pic>
+                </p:oleObj>
+              </mc:Fallback>
+            </mc:AlternateContent>
+          </a:graphicData>
+        </a:graphic>
+      </p:graphicFrame>
+      <p:sp>
+        <p:nvSpPr>
+          <p:cNvPr id="9" name="文本框 8"/>
+          <p:cNvSpPr txBox="1"/>
+          <p:nvPr>
+            <p:custDataLst>
+              <p:tags r:id="rId7"/>
+            </p:custDataLst>
+          </p:nvPr>
+        </p:nvSpPr>
+        <p:spPr>
+          <a:xfrm>
+            <a:off x="869315" y="1069340"/>
+            <a:ext cx="833755" cy="337185"/>
+          </a:xfrm>
+          <a:prstGeom prst="rect">
+            <a:avLst/>
+          </a:prstGeom>
+          <a:noFill/>
+        </p:spPr>
+        <p:txBody>
+          <a:bodyPr wrap="square" rtlCol="0">
+            <a:spAutoFit/>
+          </a:bodyPr>
+          <a:p>
+            <a:r>
+              <a:rPr lang="zh-CN" altLang="en-US" sz="1600" b="1">
+                <a:latin typeface="楷体" panose="02010609060101010101" charset="-122"/>
+                <a:ea typeface="楷体" panose="02010609060101010101" charset="-122"/>
+              </a:rPr>
+              <a:t>行优先</a:t>
+            </a:r>
+            <a:endParaRPr lang="zh-CN" altLang="en-US" sz="1600" b="1">
+              <a:latin typeface="楷体" panose="02010609060101010101" charset="-122"/>
+              <a:ea typeface="楷体" panose="02010609060101010101" charset="-122"/>
+            </a:endParaRPr>
+          </a:p>
+        </p:txBody>
+      </p:sp>
+      <p:sp>
+        <p:nvSpPr>
+          <p:cNvPr id="7" name="文本框 6"/>
+          <p:cNvSpPr txBox="1"/>
+          <p:nvPr>
+            <p:custDataLst>
+              <p:tags r:id="rId8"/>
+            </p:custDataLst>
+          </p:nvPr>
+        </p:nvSpPr>
+        <p:spPr>
+          <a:xfrm>
+            <a:off x="800735" y="3091815"/>
+            <a:ext cx="833755" cy="337185"/>
+          </a:xfrm>
+          <a:prstGeom prst="rect">
+            <a:avLst/>
+          </a:prstGeom>
+          <a:noFill/>
+        </p:spPr>
+        <p:txBody>
+          <a:bodyPr wrap="square" rtlCol="0">
+            <a:spAutoFit/>
+          </a:bodyPr>
+          <a:p>
+            <a:r>
+              <a:rPr lang="zh-CN" altLang="en-US" sz="1600" b="1">
+                <a:latin typeface="楷体" panose="02010609060101010101" charset="-122"/>
+                <a:ea typeface="楷体" panose="02010609060101010101" charset="-122"/>
+              </a:rPr>
+              <a:t>列优先</a:t>
+            </a:r>
+            <a:endParaRPr lang="zh-CN" altLang="en-US" sz="1600" b="1">
+              <a:latin typeface="楷体" panose="02010609060101010101" charset="-122"/>
+              <a:ea typeface="楷体" panose="02010609060101010101" charset="-122"/>
+            </a:endParaRPr>
+          </a:p>
+        </p:txBody>
+      </p:sp>
+    </p:spTree>
+    <p:custDataLst>
+      <p:tags r:id="rId9"/>
+    </p:custDataLst>
+  </p:cSld>
+  <p:clrMapOvr>
+    <a:masterClrMapping/>
+  </p:clrMapOvr>
+</p:sld>
+</file>
+
 <file path=ppt/tags/tag1.xml><?xml version="1.0" encoding="utf-8"?>
 <p:tagLst xmlns:p="http://schemas.openxmlformats.org/presentationml/2006/main">
   <p:tag name="KSO_WM_UNIT_HIGHLIGHT" val="0"/>
@@ -6789,6 +8811,71 @@
   <p:tag name="KSO_WM_UNIT_LAYERLEVEL" val="1"/>
   <p:tag name="KSO_WM_TAG_VERSION" val="1.0"/>
   <p:tag name="KSO_WM_BEAUTIFY_FLAG" val="#wm#"/>
+</p:tagLst>
+</file>
+
+<file path=ppt/tags/tag100.xml><?xml version="1.0" encoding="utf-8"?>
+<p:tagLst xmlns:p="http://schemas.openxmlformats.org/presentationml/2006/main">
+  <p:tag name="KSO_WM_BEAUTIFY_FLAG" val=""/>
+</p:tagLst>
+</file>
+
+<file path=ppt/tags/tag101.xml><?xml version="1.0" encoding="utf-8"?>
+<p:tagLst xmlns:p="http://schemas.openxmlformats.org/presentationml/2006/main">
+  <p:tag name="KSO_WM_BEAUTIFY_FLAG" val=""/>
+</p:tagLst>
+</file>
+
+<file path=ppt/tags/tag102.xml><?xml version="1.0" encoding="utf-8"?>
+<p:tagLst xmlns:p="http://schemas.openxmlformats.org/presentationml/2006/main">
+  <p:tag name="KSO_WM_BEAUTIFY_FLAG" val=""/>
+</p:tagLst>
+</file>
+
+<file path=ppt/tags/tag103.xml><?xml version="1.0" encoding="utf-8"?>
+<p:tagLst xmlns:p="http://schemas.openxmlformats.org/presentationml/2006/main">
+  <p:tag name="KSO_WM_BEAUTIFY_FLAG" val="#wm#"/>
+  <p:tag name="KSO_WM_TEMPLATE_CATEGORY" val="custom"/>
+  <p:tag name="KSO_WM_TEMPLATE_INDEX" val="20205176"/>
+</p:tagLst>
+</file>
+
+<file path=ppt/tags/tag104.xml><?xml version="1.0" encoding="utf-8"?>
+<p:tagLst xmlns:p="http://schemas.openxmlformats.org/presentationml/2006/main">
+  <p:tag name="KSO_WM_BEAUTIFY_FLAG" val=""/>
+</p:tagLst>
+</file>
+
+<file path=ppt/tags/tag105.xml><?xml version="1.0" encoding="utf-8"?>
+<p:tagLst xmlns:p="http://schemas.openxmlformats.org/presentationml/2006/main">
+  <p:tag name="KSO_WM_BEAUTIFY_FLAG" val=""/>
+</p:tagLst>
+</file>
+
+<file path=ppt/tags/tag106.xml><?xml version="1.0" encoding="utf-8"?>
+<p:tagLst xmlns:p="http://schemas.openxmlformats.org/presentationml/2006/main">
+  <p:tag name="KSO_WM_BEAUTIFY_FLAG" val=""/>
+</p:tagLst>
+</file>
+
+<file path=ppt/tags/tag107.xml><?xml version="1.0" encoding="utf-8"?>
+<p:tagLst xmlns:p="http://schemas.openxmlformats.org/presentationml/2006/main">
+  <p:tag name="KSO_WM_BEAUTIFY_FLAG" val=""/>
+</p:tagLst>
+</file>
+
+<file path=ppt/tags/tag108.xml><?xml version="1.0" encoding="utf-8"?>
+<p:tagLst xmlns:p="http://schemas.openxmlformats.org/presentationml/2006/main">
+  <p:tag name="KSO_WM_BEAUTIFY_FLAG" val="#wm#"/>
+  <p:tag name="KSO_WM_TEMPLATE_CATEGORY" val="custom"/>
+  <p:tag name="KSO_WM_TEMPLATE_INDEX" val="20205176"/>
+</p:tagLst>
+</file>
+
+<file path=ppt/tags/tag109.xml><?xml version="1.0" encoding="utf-8"?>
+<p:tagLst xmlns:p="http://schemas.openxmlformats.org/presentationml/2006/main">
+  <p:tag name="COMMONDATA" val="eyJoZGlkIjoiMGNiYmI5YWVjOTk5ZjZhOWZjNGUxNjlhNTAzYmI0NWQifQ=="/>
+  <p:tag name="KSO_WPP_MARK_KEY" val="f1a67940-8906-4d88-89f3-eb8c89cefd71"/>
 </p:tagLst>
 </file>
 
@@ -7701,8 +9788,63 @@
 
 <file path=ppt/tags/tag80.xml><?xml version="1.0" encoding="utf-8"?>
 <p:tagLst xmlns:p="http://schemas.openxmlformats.org/presentationml/2006/main">
-  <p:tag name="COMMONDATA" val="eyJoZGlkIjoiMGNiYmI5YWVjOTk5ZjZhOWZjNGUxNjlhNTAzYmI0NWQifQ=="/>
-  <p:tag name="KSO_WPP_MARK_KEY" val="f1a67940-8906-4d88-89f3-eb8c89cefd71"/>
+  <p:tag name="KSO_WM_BEAUTIFY_FLAG" val=""/>
+</p:tagLst>
+</file>
+
+<file path=ppt/tags/tag81.xml><?xml version="1.0" encoding="utf-8"?>
+<p:tagLst xmlns:p="http://schemas.openxmlformats.org/presentationml/2006/main">
+  <p:tag name="KSO_WM_BEAUTIFY_FLAG" val=""/>
+</p:tagLst>
+</file>
+
+<file path=ppt/tags/tag82.xml><?xml version="1.0" encoding="utf-8"?>
+<p:tagLst xmlns:p="http://schemas.openxmlformats.org/presentationml/2006/main">
+  <p:tag name="KSO_WM_BEAUTIFY_FLAG" val=""/>
+</p:tagLst>
+</file>
+
+<file path=ppt/tags/tag83.xml><?xml version="1.0" encoding="utf-8"?>
+<p:tagLst xmlns:p="http://schemas.openxmlformats.org/presentationml/2006/main">
+  <p:tag name="KSO_WM_BEAUTIFY_FLAG" val=""/>
+</p:tagLst>
+</file>
+
+<file path=ppt/tags/tag84.xml><?xml version="1.0" encoding="utf-8"?>
+<p:tagLst xmlns:p="http://schemas.openxmlformats.org/presentationml/2006/main">
+  <p:tag name="KSO_WM_BEAUTIFY_FLAG" val=""/>
+</p:tagLst>
+</file>
+
+<file path=ppt/tags/tag85.xml><?xml version="1.0" encoding="utf-8"?>
+<p:tagLst xmlns:p="http://schemas.openxmlformats.org/presentationml/2006/main">
+  <p:tag name="KSO_WM_BEAUTIFY_FLAG" val="#wm#"/>
+  <p:tag name="KSO_WM_TEMPLATE_CATEGORY" val="custom"/>
+  <p:tag name="KSO_WM_TEMPLATE_INDEX" val="20205176"/>
+</p:tagLst>
+</file>
+
+<file path=ppt/tags/tag86.xml><?xml version="1.0" encoding="utf-8"?>
+<p:tagLst xmlns:p="http://schemas.openxmlformats.org/presentationml/2006/main">
+  <p:tag name="KSO_WM_BEAUTIFY_FLAG" val=""/>
+</p:tagLst>
+</file>
+
+<file path=ppt/tags/tag87.xml><?xml version="1.0" encoding="utf-8"?>
+<p:tagLst xmlns:p="http://schemas.openxmlformats.org/presentationml/2006/main">
+  <p:tag name="KSO_WM_BEAUTIFY_FLAG" val=""/>
+</p:tagLst>
+</file>
+
+<file path=ppt/tags/tag88.xml><?xml version="1.0" encoding="utf-8"?>
+<p:tagLst xmlns:p="http://schemas.openxmlformats.org/presentationml/2006/main">
+  <p:tag name="KSO_WM_BEAUTIFY_FLAG" val=""/>
+</p:tagLst>
+</file>
+
+<file path=ppt/tags/tag89.xml><?xml version="1.0" encoding="utf-8"?>
+<p:tagLst xmlns:p="http://schemas.openxmlformats.org/presentationml/2006/main">
+  <p:tag name="KSO_WM_BEAUTIFY_FLAG" val=""/>
 </p:tagLst>
 </file>
 
@@ -7716,6 +9858,70 @@
   <p:tag name="KSO_WM_UNIT_LAYERLEVEL" val="1"/>
   <p:tag name="KSO_WM_TAG_VERSION" val="1.0"/>
   <p:tag name="KSO_WM_BEAUTIFY_FLAG" val="#wm#"/>
+</p:tagLst>
+</file>
+
+<file path=ppt/tags/tag90.xml><?xml version="1.0" encoding="utf-8"?>
+<p:tagLst xmlns:p="http://schemas.openxmlformats.org/presentationml/2006/main">
+  <p:tag name="KSO_WM_BEAUTIFY_FLAG" val=""/>
+</p:tagLst>
+</file>
+
+<file path=ppt/tags/tag91.xml><?xml version="1.0" encoding="utf-8"?>
+<p:tagLst xmlns:p="http://schemas.openxmlformats.org/presentationml/2006/main">
+  <p:tag name="KSO_WM_BEAUTIFY_FLAG" val="#wm#"/>
+  <p:tag name="KSO_WM_TEMPLATE_CATEGORY" val="custom"/>
+  <p:tag name="KSO_WM_TEMPLATE_INDEX" val="20205176"/>
+</p:tagLst>
+</file>
+
+<file path=ppt/tags/tag92.xml><?xml version="1.0" encoding="utf-8"?>
+<p:tagLst xmlns:p="http://schemas.openxmlformats.org/presentationml/2006/main">
+  <p:tag name="KSO_WM_BEAUTIFY_FLAG" val=""/>
+</p:tagLst>
+</file>
+
+<file path=ppt/tags/tag93.xml><?xml version="1.0" encoding="utf-8"?>
+<p:tagLst xmlns:p="http://schemas.openxmlformats.org/presentationml/2006/main">
+  <p:tag name="KSO_WM_BEAUTIFY_FLAG" val=""/>
+</p:tagLst>
+</file>
+
+<file path=ppt/tags/tag94.xml><?xml version="1.0" encoding="utf-8"?>
+<p:tagLst xmlns:p="http://schemas.openxmlformats.org/presentationml/2006/main">
+  <p:tag name="KSO_WM_BEAUTIFY_FLAG" val=""/>
+</p:tagLst>
+</file>
+
+<file path=ppt/tags/tag95.xml><?xml version="1.0" encoding="utf-8"?>
+<p:tagLst xmlns:p="http://schemas.openxmlformats.org/presentationml/2006/main">
+  <p:tag name="KSO_WM_BEAUTIFY_FLAG" val=""/>
+</p:tagLst>
+</file>
+
+<file path=ppt/tags/tag96.xml><?xml version="1.0" encoding="utf-8"?>
+<p:tagLst xmlns:p="http://schemas.openxmlformats.org/presentationml/2006/main">
+  <p:tag name="KSO_WM_BEAUTIFY_FLAG" val=""/>
+</p:tagLst>
+</file>
+
+<file path=ppt/tags/tag97.xml><?xml version="1.0" encoding="utf-8"?>
+<p:tagLst xmlns:p="http://schemas.openxmlformats.org/presentationml/2006/main">
+  <p:tag name="KSO_WM_BEAUTIFY_FLAG" val=""/>
+</p:tagLst>
+</file>
+
+<file path=ppt/tags/tag98.xml><?xml version="1.0" encoding="utf-8"?>
+<p:tagLst xmlns:p="http://schemas.openxmlformats.org/presentationml/2006/main">
+  <p:tag name="KSO_WM_BEAUTIFY_FLAG" val="#wm#"/>
+  <p:tag name="KSO_WM_TEMPLATE_CATEGORY" val="custom"/>
+  <p:tag name="KSO_WM_TEMPLATE_INDEX" val="20205176"/>
+</p:tagLst>
+</file>
+
+<file path=ppt/tags/tag99.xml><?xml version="1.0" encoding="utf-8"?>
+<p:tagLst xmlns:p="http://schemas.openxmlformats.org/presentationml/2006/main">
+  <p:tag name="KSO_WM_BEAUTIFY_FLAG" val=""/>
 </p:tagLst>
 </file>
 

--- a/第三章 栈、队列和数组/3.4 数组和特殊矩阵/数组与稀疏矩阵.pptx
+++ b/第三章 栈、队列和数组/3.4 数组和特殊矩阵/数组与稀疏矩阵.pptx
@@ -6265,9 +6265,9 @@
         <p:grpSpPr>
           <a:xfrm>
             <a:off x="1553845" y="829945"/>
-            <a:ext cx="5629275" cy="4399280"/>
+            <a:ext cx="3904615" cy="2945910"/>
             <a:chOff x="2447" y="1307"/>
-            <a:chExt cx="8865" cy="6928"/>
+            <a:chExt cx="8865" cy="8128"/>
           </a:xfrm>
         </p:grpSpPr>
         <p:graphicFrame>
@@ -6407,7 +6407,7 @@
           <p:spPr>
             <a:xfrm>
               <a:off x="9354" y="6432"/>
-              <a:ext cx="1958" cy="580"/>
+              <a:ext cx="1958" cy="1780"/>
             </a:xfrm>
             <a:prstGeom prst="rect">
               <a:avLst/>
@@ -6598,7 +6598,7 @@
           <p:spPr>
             <a:xfrm>
               <a:off x="9282" y="2519"/>
-              <a:ext cx="1958" cy="580"/>
+              <a:ext cx="1958" cy="1780"/>
             </a:xfrm>
             <a:prstGeom prst="rect">
               <a:avLst/>
@@ -6677,7 +6677,7 @@
           <p:spPr>
             <a:xfrm>
               <a:off x="3047" y="7655"/>
-              <a:ext cx="1958" cy="580"/>
+              <a:ext cx="1958" cy="1780"/>
             </a:xfrm>
             <a:prstGeom prst="rect">
               <a:avLst/>

--- a/第三章 栈、队列和数组/3.4 数组和特殊矩阵/数组与稀疏矩阵.pptx
+++ b/第三章 栈、队列和数组/3.4 数组和特殊矩阵/数组与稀疏矩阵.pptx
@@ -13,11 +13,12 @@
     <p:sldId id="261" r:id="rId8"/>
     <p:sldId id="262" r:id="rId9"/>
     <p:sldId id="263" r:id="rId10"/>
+    <p:sldId id="264" r:id="rId11"/>
   </p:sldIdLst>
   <p:sldSz cx="12192000" cy="6858000"/>
   <p:notesSz cx="6858000" cy="9144000"/>
   <p:custDataLst>
-    <p:tags r:id="rId14"/>
+    <p:tags r:id="rId15"/>
   </p:custDataLst>
   <p:defaultTextStyle>
     <a:defPPr>
@@ -8788,6 +8789,83 @@
 </p:sld>
 </file>
 
+<file path=ppt/slides/slide9.xml><?xml version="1.0" encoding="utf-8"?>
+<p:sld xmlns:a="http://schemas.openxmlformats.org/drawingml/2006/main" xmlns:r="http://schemas.openxmlformats.org/officeDocument/2006/relationships" xmlns:p="http://schemas.openxmlformats.org/presentationml/2006/main">
+  <p:cSld>
+    <p:spTree>
+      <p:nvGrpSpPr>
+        <p:cNvPr id="1" name=""/>
+        <p:cNvGrpSpPr/>
+        <p:nvPr/>
+      </p:nvGrpSpPr>
+      <p:grpSpPr/>
+      <p:graphicFrame>
+        <p:nvGraphicFramePr>
+          <p:cNvPr id="4" name="对象 3">
+            <a:hlinkClick r:id="" action="ppaction://ole?verb="/>
+          </p:cNvPr>
+          <p:cNvGraphicFramePr>
+            <a:graphicFrameLocks noChangeAspect="1"/>
+          </p:cNvGraphicFramePr>
+          <p:nvPr/>
+        </p:nvGraphicFramePr>
+        <p:xfrm>
+          <a:off x="2075815" y="4404995"/>
+          <a:ext cx="6218555" cy="939165"/>
+        </p:xfrm>
+        <a:graphic>
+          <a:graphicData uri="http://schemas.openxmlformats.org/presentationml/2006/ole">
+            <mc:AlternateContent xmlns:mc="http://schemas.openxmlformats.org/markup-compatibility/2006">
+              <mc:Choice xmlns:v="urn:schemas-microsoft-com:vml" Requires="v">
+                <p:oleObj spid="_x0000_s1025" name="" r:id="rId1" imgW="3111500" imgH="469900" progId="Equation.KSEE3">
+                  <p:embed/>
+                </p:oleObj>
+              </mc:Choice>
+              <mc:Fallback>
+                <p:oleObj name="" r:id="rId1" imgW="3111500" imgH="469900" progId="Equation.KSEE3">
+                  <p:embed/>
+                  <p:pic>
+                    <p:nvPicPr>
+                      <p:cNvPr id="0" name="图片 1024"/>
+                      <p:cNvPicPr/>
+                      <p:nvPr/>
+                    </p:nvPicPr>
+                    <p:blipFill>
+                      <a:blip r:embed="rId2"/>
+                      <a:stretch>
+                        <a:fillRect/>
+                      </a:stretch>
+                    </p:blipFill>
+                    <p:spPr>
+                      <a:xfrm>
+                        <a:off x="2075815" y="4404995"/>
+                        <a:ext cx="6218555" cy="939165"/>
+                      </a:xfrm>
+                      <a:prstGeom prst="rect">
+                        <a:avLst/>
+                      </a:prstGeom>
+                      <a:solidFill>
+                        <a:schemeClr val="bg1"/>
+                      </a:solidFill>
+                    </p:spPr>
+                  </p:pic>
+                </p:oleObj>
+              </mc:Fallback>
+            </mc:AlternateContent>
+          </a:graphicData>
+        </a:graphic>
+      </p:graphicFrame>
+    </p:spTree>
+    <p:custDataLst>
+      <p:tags r:id="rId3"/>
+    </p:custDataLst>
+  </p:cSld>
+  <p:clrMapOvr>
+    <a:masterClrMapping/>
+  </p:clrMapOvr>
+</p:sld>
+</file>
+
 <file path=ppt/tags/tag1.xml><?xml version="1.0" encoding="utf-8"?>
 <p:tagLst xmlns:p="http://schemas.openxmlformats.org/presentationml/2006/main">
   <p:tag name="KSO_WM_UNIT_HIGHLIGHT" val="0"/>
@@ -8874,8 +8952,9 @@
 
 <file path=ppt/tags/tag109.xml><?xml version="1.0" encoding="utf-8"?>
 <p:tagLst xmlns:p="http://schemas.openxmlformats.org/presentationml/2006/main">
-  <p:tag name="COMMONDATA" val="eyJoZGlkIjoiMGNiYmI5YWVjOTk5ZjZhOWZjNGUxNjlhNTAzYmI0NWQifQ=="/>
-  <p:tag name="KSO_WPP_MARK_KEY" val="f1a67940-8906-4d88-89f3-eb8c89cefd71"/>
+  <p:tag name="KSO_WM_BEAUTIFY_FLAG" val="#wm#"/>
+  <p:tag name="KSO_WM_TEMPLATE_CATEGORY" val="custom"/>
+  <p:tag name="KSO_WM_TEMPLATE_INDEX" val="20205176"/>
 </p:tagLst>
 </file>
 
@@ -8889,6 +8968,13 @@
   <p:tag name="KSO_WM_UNIT_LAYERLEVEL" val="1"/>
   <p:tag name="KSO_WM_TAG_VERSION" val="1.0"/>
   <p:tag name="KSO_WM_BEAUTIFY_FLAG" val="#wm#"/>
+</p:tagLst>
+</file>
+
+<file path=ppt/tags/tag110.xml><?xml version="1.0" encoding="utf-8"?>
+<p:tagLst xmlns:p="http://schemas.openxmlformats.org/presentationml/2006/main">
+  <p:tag name="COMMONDATA" val="eyJoZGlkIjoiMGNiYmI5YWVjOTk5ZjZhOWZjNGUxNjlhNTAzYmI0NWQifQ=="/>
+  <p:tag name="KSO_WPP_MARK_KEY" val="f1a67940-8906-4d88-89f3-eb8c89cefd71"/>
 </p:tagLst>
 </file>
 
